--- a/images/aws_architecture.pptx
+++ b/images/aws_architecture.pptx
@@ -104,6 +104,11 @@
       </a:defRPr>
     </a:lvl9pPr>
   </p:defaultTextStyle>
+  <p:extLst>
+    <p:ext uri="{EFAFB233-063F-42B5-8137-9DF3F51BA10A}">
+      <p15:sldGuideLst xmlns:p15="http://schemas.microsoft.com/office/powerpoint/2012/main"/>
+    </p:ext>
+  </p:extLst>
 </p:presentation>
 </file>
 
@@ -3335,8 +3340,8 @@
         </p:nvSpPr>
         <p:spPr>
           <a:xfrm>
-            <a:off x="3935896" y="427453"/>
-            <a:ext cx="7673007" cy="6122434"/>
+            <a:off x="3650426" y="427453"/>
+            <a:ext cx="7958478" cy="6122434"/>
           </a:xfrm>
           <a:prstGeom prst="rect">
             <a:avLst/>
@@ -3413,7 +3418,7 @@
         </p:blipFill>
         <p:spPr>
           <a:xfrm>
-            <a:off x="3935896" y="427453"/>
+            <a:off x="3650425" y="427453"/>
             <a:ext cx="330200" cy="330200"/>
           </a:xfrm>
           <a:prstGeom prst="rect">
@@ -3449,7 +3454,7 @@
         </p:blipFill>
         <p:spPr>
           <a:xfrm>
-            <a:off x="5938521" y="2841548"/>
+            <a:off x="5290651" y="2841548"/>
             <a:ext cx="711200" cy="711200"/>
           </a:xfrm>
           <a:prstGeom prst="rect">
@@ -3471,7 +3476,7 @@
         </p:nvSpPr>
         <p:spPr>
           <a:xfrm>
-            <a:off x="5540845" y="3552748"/>
+            <a:off x="4892975" y="3582890"/>
             <a:ext cx="1506552" cy="307777"/>
           </a:xfrm>
           <a:prstGeom prst="rect">
@@ -3487,7 +3492,9 @@
           <a:p>
             <a:pPr algn="ctr"/>
             <a:r>
-              <a:rPr lang="en-US" sz="1400" dirty="0"/>
+              <a:rPr lang="en-US" sz="1400" dirty="0">
+                <a:latin typeface="+mj-lt"/>
+              </a:rPr>
               <a:t>AWS Lambda</a:t>
             </a:r>
           </a:p>
@@ -3507,7 +3514,7 @@
         </p:nvSpPr>
         <p:spPr>
           <a:xfrm>
-            <a:off x="9105561" y="3582890"/>
+            <a:off x="9353384" y="3582890"/>
             <a:ext cx="2217871" cy="307777"/>
           </a:xfrm>
           <a:prstGeom prst="rect">
@@ -3574,7 +3581,7 @@
         </p:blipFill>
         <p:spPr>
           <a:xfrm>
-            <a:off x="9858896" y="2871690"/>
+            <a:off x="10106719" y="2871690"/>
             <a:ext cx="711200" cy="711200"/>
           </a:xfrm>
           <a:prstGeom prst="rect">
@@ -3596,7 +3603,7 @@
         </p:nvSpPr>
         <p:spPr>
           <a:xfrm>
-            <a:off x="7571643" y="3481867"/>
+            <a:off x="8102047" y="3582890"/>
             <a:ext cx="1371158" cy="307777"/>
           </a:xfrm>
           <a:prstGeom prst="rect">
@@ -3617,23 +3624,7 @@
                 <a:ea typeface="Amazon Ember" panose="020B0603020204020204" pitchFamily="34" charset="0"/>
                 <a:cs typeface="Amazon Ember" panose="020B0603020204020204" pitchFamily="34" charset="0"/>
               </a:rPr>
-              <a:t>Daily </a:t>
-            </a:r>
-            <a:r>
-              <a:rPr lang="en-US" sz="1400" dirty="0" err="1">
-                <a:latin typeface="+mj-lt"/>
-                <a:ea typeface="Amazon Ember" panose="020B0603020204020204" pitchFamily="34" charset="0"/>
-                <a:cs typeface="Amazon Ember" panose="020B0603020204020204" pitchFamily="34" charset="0"/>
-              </a:rPr>
-              <a:t>cron</a:t>
-            </a:r>
-            <a:r>
-              <a:rPr lang="en-US" sz="1400" dirty="0">
-                <a:latin typeface="+mj-lt"/>
-                <a:ea typeface="Amazon Ember" panose="020B0603020204020204" pitchFamily="34" charset="0"/>
-                <a:cs typeface="Amazon Ember" panose="020B0603020204020204" pitchFamily="34" charset="0"/>
-              </a:rPr>
-              <a:t> Event</a:t>
+              <a:t>Daily Event</a:t>
             </a:r>
           </a:p>
         </p:txBody>
@@ -3666,7 +3657,7 @@
         </p:blipFill>
         <p:spPr>
           <a:xfrm>
-            <a:off x="8089019" y="2962198"/>
+            <a:off x="8575955" y="2992340"/>
             <a:ext cx="469900" cy="469900"/>
           </a:xfrm>
           <a:prstGeom prst="rect">
@@ -3676,10 +3667,10 @@
       </p:pic>
       <p:sp>
         <p:nvSpPr>
-          <p:cNvPr id="34" name="TextBox 33">
-            <a:extLst>
-              <a:ext uri="{FF2B5EF4-FFF2-40B4-BE49-F238E27FC236}">
-                <a16:creationId xmlns:a16="http://schemas.microsoft.com/office/drawing/2014/main" id="{81377FE4-3EEB-A442-81B2-D979B303F71F}"/>
+          <p:cNvPr id="35" name="TextBox 34">
+            <a:extLst>
+              <a:ext uri="{FF2B5EF4-FFF2-40B4-BE49-F238E27FC236}">
+                <a16:creationId xmlns:a16="http://schemas.microsoft.com/office/drawing/2014/main" id="{E7F06690-2290-B841-BE40-4B92221AD6AD}"/>
               </a:ext>
             </a:extLst>
           </p:cNvPr>
@@ -3688,47 +3679,7 @@
         </p:nvSpPr>
         <p:spPr>
           <a:xfrm>
-            <a:off x="4237323" y="5907327"/>
-            <a:ext cx="2217871" cy="523220"/>
-          </a:xfrm>
-          <a:prstGeom prst="rect">
-            <a:avLst/>
-          </a:prstGeom>
-          <a:noFill/>
-        </p:spPr>
-        <p:txBody>
-          <a:bodyPr wrap="square" rtlCol="0">
-            <a:spAutoFit/>
-          </a:bodyPr>
-          <a:lstStyle/>
-          <a:p>
-            <a:pPr algn="ctr"/>
-            <a:r>
-              <a:rPr lang="en-US" sz="1400" dirty="0">
-                <a:latin typeface="+mj-lt"/>
-                <a:ea typeface="Amazon Ember" panose="020B0603020204020204" pitchFamily="34" charset="0"/>
-                <a:cs typeface="Amazon Ember" panose="020B0603020204020204" pitchFamily="34" charset="0"/>
-              </a:rPr>
-              <a:t>AWS Cost &amp; Usage Report</a:t>
-            </a:r>
-          </a:p>
-        </p:txBody>
-      </p:sp>
-      <p:sp>
-        <p:nvSpPr>
-          <p:cNvPr id="35" name="TextBox 34">
-            <a:extLst>
-              <a:ext uri="{FF2B5EF4-FFF2-40B4-BE49-F238E27FC236}">
-                <a16:creationId xmlns:a16="http://schemas.microsoft.com/office/drawing/2014/main" id="{E7F06690-2290-B841-BE40-4B92221AD6AD}"/>
-              </a:ext>
-            </a:extLst>
-          </p:cNvPr>
-          <p:cNvSpPr txBox="1"/>
-          <p:nvPr/>
-        </p:nvSpPr>
-        <p:spPr>
-          <a:xfrm>
-            <a:off x="6186342" y="5907327"/>
+            <a:off x="4537316" y="5316351"/>
             <a:ext cx="2217871" cy="307777"/>
           </a:xfrm>
           <a:prstGeom prst="rect">
@@ -3756,10 +3707,10 @@
       </p:sp>
       <p:pic>
         <p:nvPicPr>
-          <p:cNvPr id="36" name="Graphic 35">
-            <a:extLst>
-              <a:ext uri="{FF2B5EF4-FFF2-40B4-BE49-F238E27FC236}">
-                <a16:creationId xmlns:a16="http://schemas.microsoft.com/office/drawing/2014/main" id="{44158296-F536-0A43-A9A7-689A9030C2B6}"/>
+          <p:cNvPr id="37" name="Graphic 36">
+            <a:extLst>
+              <a:ext uri="{FF2B5EF4-FFF2-40B4-BE49-F238E27FC236}">
+                <a16:creationId xmlns:a16="http://schemas.microsoft.com/office/drawing/2014/main" id="{35974859-7C45-7547-AAE3-01E632FF6AF6}"/>
               </a:ext>
             </a:extLst>
           </p:cNvPr>
@@ -3782,7 +3733,7 @@
         </p:blipFill>
         <p:spPr>
           <a:xfrm>
-            <a:off x="4990658" y="5196127"/>
+            <a:off x="5290651" y="4605151"/>
             <a:ext cx="711200" cy="711200"/>
           </a:xfrm>
           <a:prstGeom prst="rect">
@@ -3790,12 +3741,50 @@
           </a:prstGeom>
         </p:spPr>
       </p:pic>
+      <p:sp>
+        <p:nvSpPr>
+          <p:cNvPr id="38" name="TextBox 37">
+            <a:extLst>
+              <a:ext uri="{FF2B5EF4-FFF2-40B4-BE49-F238E27FC236}">
+                <a16:creationId xmlns:a16="http://schemas.microsoft.com/office/drawing/2014/main" id="{0CD3F208-2EB1-AF45-9606-3F3DA7F16940}"/>
+              </a:ext>
+            </a:extLst>
+          </p:cNvPr>
+          <p:cNvSpPr txBox="1"/>
+          <p:nvPr/>
+        </p:nvSpPr>
+        <p:spPr>
+          <a:xfrm>
+            <a:off x="6775853" y="5316351"/>
+            <a:ext cx="2301904" cy="307777"/>
+          </a:xfrm>
+          <a:prstGeom prst="rect">
+            <a:avLst/>
+          </a:prstGeom>
+          <a:noFill/>
+        </p:spPr>
+        <p:txBody>
+          <a:bodyPr wrap="square" rtlCol="0">
+            <a:spAutoFit/>
+          </a:bodyPr>
+          <a:lstStyle/>
+          <a:p>
+            <a:pPr algn="ctr"/>
+            <a:r>
+              <a:rPr lang="en-US" sz="1400" dirty="0">
+                <a:latin typeface="+mj-lt"/>
+              </a:rPr>
+              <a:t>Amazon CloudWatch</a:t>
+            </a:r>
+          </a:p>
+        </p:txBody>
+      </p:sp>
       <p:pic>
         <p:nvPicPr>
-          <p:cNvPr id="37" name="Graphic 36">
-            <a:extLst>
-              <a:ext uri="{FF2B5EF4-FFF2-40B4-BE49-F238E27FC236}">
-                <a16:creationId xmlns:a16="http://schemas.microsoft.com/office/drawing/2014/main" id="{35974859-7C45-7547-AAE3-01E632FF6AF6}"/>
+          <p:cNvPr id="39" name="Graphic 38">
+            <a:extLst>
+              <a:ext uri="{FF2B5EF4-FFF2-40B4-BE49-F238E27FC236}">
+                <a16:creationId xmlns:a16="http://schemas.microsoft.com/office/drawing/2014/main" id="{269840C8-870A-7F49-B369-FB66D15CDBF5}"/>
               </a:ext>
             </a:extLst>
           </p:cNvPr>
@@ -3818,7 +3807,7 @@
         </p:blipFill>
         <p:spPr>
           <a:xfrm>
-            <a:off x="6939677" y="5196127"/>
+            <a:off x="7571205" y="4605151"/>
             <a:ext cx="711200" cy="711200"/>
           </a:xfrm>
           <a:prstGeom prst="rect">
@@ -3828,10 +3817,10 @@
       </p:pic>
       <p:sp>
         <p:nvSpPr>
-          <p:cNvPr id="38" name="TextBox 37">
-            <a:extLst>
-              <a:ext uri="{FF2B5EF4-FFF2-40B4-BE49-F238E27FC236}">
-                <a16:creationId xmlns:a16="http://schemas.microsoft.com/office/drawing/2014/main" id="{0CD3F208-2EB1-AF45-9606-3F3DA7F16940}"/>
+          <p:cNvPr id="42" name="TextBox 41">
+            <a:extLst>
+              <a:ext uri="{FF2B5EF4-FFF2-40B4-BE49-F238E27FC236}">
+                <a16:creationId xmlns:a16="http://schemas.microsoft.com/office/drawing/2014/main" id="{4C44B83B-BEFC-D242-821C-AE527A6B1C6B}"/>
               </a:ext>
             </a:extLst>
           </p:cNvPr>
@@ -3840,7 +3829,7 @@
         </p:nvSpPr>
         <p:spPr>
           <a:xfrm>
-            <a:off x="4195306" y="1644366"/>
+            <a:off x="9311367" y="1644366"/>
             <a:ext cx="2301904" cy="307777"/>
           </a:xfrm>
           <a:prstGeom prst="rect">
@@ -3856,18 +3845,20 @@
           <a:p>
             <a:pPr algn="ctr"/>
             <a:r>
-              <a:rPr lang="en-US" sz="1400" dirty="0"/>
-              <a:t>Amazon CloudWatch</a:t>
+              <a:rPr lang="en-US" sz="1400" dirty="0">
+                <a:latin typeface="+mj-lt"/>
+              </a:rPr>
+              <a:t>AWS Secrets Manager</a:t>
             </a:r>
           </a:p>
         </p:txBody>
       </p:sp>
       <p:pic>
         <p:nvPicPr>
-          <p:cNvPr id="39" name="Graphic 38">
-            <a:extLst>
-              <a:ext uri="{FF2B5EF4-FFF2-40B4-BE49-F238E27FC236}">
-                <a16:creationId xmlns:a16="http://schemas.microsoft.com/office/drawing/2014/main" id="{269840C8-870A-7F49-B369-FB66D15CDBF5}"/>
+          <p:cNvPr id="43" name="Graphic 42">
+            <a:extLst>
+              <a:ext uri="{FF2B5EF4-FFF2-40B4-BE49-F238E27FC236}">
+                <a16:creationId xmlns:a16="http://schemas.microsoft.com/office/drawing/2014/main" id="{65E21F95-F8A0-A94B-9CCF-93CC215923B1}"/>
               </a:ext>
             </a:extLst>
           </p:cNvPr>
@@ -3890,79 +3881,7 @@
         </p:blipFill>
         <p:spPr>
           <a:xfrm>
-            <a:off x="4990658" y="935388"/>
-            <a:ext cx="711200" cy="711200"/>
-          </a:xfrm>
-          <a:prstGeom prst="rect">
-            <a:avLst/>
-          </a:prstGeom>
-        </p:spPr>
-      </p:pic>
-      <p:sp>
-        <p:nvSpPr>
-          <p:cNvPr id="42" name="TextBox 41">
-            <a:extLst>
-              <a:ext uri="{FF2B5EF4-FFF2-40B4-BE49-F238E27FC236}">
-                <a16:creationId xmlns:a16="http://schemas.microsoft.com/office/drawing/2014/main" id="{4C44B83B-BEFC-D242-821C-AE527A6B1C6B}"/>
-              </a:ext>
-            </a:extLst>
-          </p:cNvPr>
-          <p:cNvSpPr txBox="1"/>
-          <p:nvPr/>
-        </p:nvSpPr>
-        <p:spPr>
-          <a:xfrm>
-            <a:off x="9063544" y="1644366"/>
-            <a:ext cx="2301904" cy="307777"/>
-          </a:xfrm>
-          <a:prstGeom prst="rect">
-            <a:avLst/>
-          </a:prstGeom>
-          <a:noFill/>
-        </p:spPr>
-        <p:txBody>
-          <a:bodyPr wrap="square" rtlCol="0">
-            <a:spAutoFit/>
-          </a:bodyPr>
-          <a:lstStyle/>
-          <a:p>
-            <a:pPr algn="ctr"/>
-            <a:r>
-              <a:rPr lang="en-US" sz="1400" dirty="0"/>
-              <a:t>AWS Secrets Manager</a:t>
-            </a:r>
-          </a:p>
-        </p:txBody>
-      </p:sp>
-      <p:pic>
-        <p:nvPicPr>
-          <p:cNvPr id="43" name="Graphic 42">
-            <a:extLst>
-              <a:ext uri="{FF2B5EF4-FFF2-40B4-BE49-F238E27FC236}">
-                <a16:creationId xmlns:a16="http://schemas.microsoft.com/office/drawing/2014/main" id="{65E21F95-F8A0-A94B-9CCF-93CC215923B1}"/>
-              </a:ext>
-            </a:extLst>
-          </p:cNvPr>
-          <p:cNvPicPr>
-            <a:picLocks noChangeAspect="1"/>
-          </p:cNvPicPr>
-          <p:nvPr/>
-        </p:nvPicPr>
-        <p:blipFill>
-          <a:blip r:embed="rId16">
-            <a:extLst>
-              <a:ext uri="{96DAC541-7B7A-43D3-8B79-37D633B846F1}">
-                <asvg:svgBlip xmlns:asvg="http://schemas.microsoft.com/office/drawing/2016/SVG/main" r:embed="rId17"/>
-              </a:ext>
-            </a:extLst>
-          </a:blip>
-          <a:stretch>
-            <a:fillRect/>
-          </a:stretch>
-        </p:blipFill>
-        <p:spPr>
-          <a:xfrm>
-            <a:off x="9858896" y="935388"/>
+            <a:off x="10106719" y="935388"/>
             <a:ext cx="711200" cy="711200"/>
           </a:xfrm>
           <a:prstGeom prst="rect">
@@ -3987,9 +3906,9 @@
           <p:nvPr/>
         </p:nvCxnSpPr>
         <p:spPr>
-          <a:xfrm flipH="1" flipV="1">
-            <a:off x="8558919" y="3197148"/>
-            <a:ext cx="1299977" cy="30142"/>
+          <a:xfrm flipH="1">
+            <a:off x="9045855" y="3227290"/>
+            <a:ext cx="1060864" cy="0"/>
           </a:xfrm>
           <a:prstGeom prst="straightConnector1">
             <a:avLst/>
@@ -4034,9 +3953,9 @@
           <p:nvPr/>
         </p:nvCxnSpPr>
         <p:spPr>
-          <a:xfrm flipH="1">
-            <a:off x="6649721" y="3197148"/>
-            <a:ext cx="1439298" cy="0"/>
+          <a:xfrm flipH="1" flipV="1">
+            <a:off x="6001851" y="3197148"/>
+            <a:ext cx="2574104" cy="30142"/>
           </a:xfrm>
           <a:prstGeom prst="straightConnector1">
             <a:avLst/>
@@ -4064,174 +3983,6 @@
           </a:fontRef>
         </p:style>
       </p:cxnSp>
-      <p:grpSp>
-        <p:nvGrpSpPr>
-          <p:cNvPr id="64" name="Group 63">
-            <a:extLst>
-              <a:ext uri="{FF2B5EF4-FFF2-40B4-BE49-F238E27FC236}">
-                <a16:creationId xmlns:a16="http://schemas.microsoft.com/office/drawing/2014/main" id="{2707C078-662C-A046-8DE1-68B6AE89DE99}"/>
-              </a:ext>
-            </a:extLst>
-          </p:cNvPr>
-          <p:cNvGrpSpPr/>
-          <p:nvPr/>
-        </p:nvGrpSpPr>
-        <p:grpSpPr>
-          <a:xfrm rot="16200000">
-            <a:off x="5620822" y="3502807"/>
-            <a:ext cx="1389583" cy="1963253"/>
-            <a:chOff x="2684662" y="1051134"/>
-            <a:chExt cx="1483636" cy="331243"/>
-          </a:xfrm>
-        </p:grpSpPr>
-        <p:sp>
-          <p:nvSpPr>
-            <p:cNvPr id="65" name="Freeform 64">
-              <a:extLst>
-                <a:ext uri="{FF2B5EF4-FFF2-40B4-BE49-F238E27FC236}">
-                  <a16:creationId xmlns:a16="http://schemas.microsoft.com/office/drawing/2014/main" id="{BFE274BB-CE52-C543-82F0-9EC1CD568C90}"/>
-                </a:ext>
-              </a:extLst>
-            </p:cNvPr>
-            <p:cNvSpPr/>
-            <p:nvPr/>
-          </p:nvSpPr>
-          <p:spPr>
-            <a:xfrm>
-              <a:off x="2684662" y="1051134"/>
-              <a:ext cx="915363" cy="331243"/>
-            </a:xfrm>
-            <a:custGeom>
-              <a:avLst/>
-              <a:gdLst>
-                <a:gd name="connsiteX0" fmla="*/ 0 w 622300"/>
-                <a:gd name="connsiteY0" fmla="*/ 0 h 1574800"/>
-                <a:gd name="connsiteX1" fmla="*/ 622300 w 622300"/>
-                <a:gd name="connsiteY1" fmla="*/ 0 h 1574800"/>
-                <a:gd name="connsiteX2" fmla="*/ 622300 w 622300"/>
-                <a:gd name="connsiteY2" fmla="*/ 1574800 h 1574800"/>
-                <a:gd name="connsiteX3" fmla="*/ 482600 w 622300"/>
-                <a:gd name="connsiteY3" fmla="*/ 1574800 h 1574800"/>
-                <a:gd name="connsiteX4" fmla="*/ 0 w 622300"/>
-                <a:gd name="connsiteY4" fmla="*/ 1574800 h 1574800"/>
-              </a:gdLst>
-              <a:ahLst/>
-              <a:cxnLst>
-                <a:cxn ang="0">
-                  <a:pos x="connsiteX0" y="connsiteY0"/>
-                </a:cxn>
-                <a:cxn ang="0">
-                  <a:pos x="connsiteX1" y="connsiteY1"/>
-                </a:cxn>
-                <a:cxn ang="0">
-                  <a:pos x="connsiteX2" y="connsiteY2"/>
-                </a:cxn>
-                <a:cxn ang="0">
-                  <a:pos x="connsiteX3" y="connsiteY3"/>
-                </a:cxn>
-                <a:cxn ang="0">
-                  <a:pos x="connsiteX4" y="connsiteY4"/>
-                </a:cxn>
-              </a:cxnLst>
-              <a:rect l="l" t="t" r="r" b="b"/>
-              <a:pathLst>
-                <a:path w="622300" h="1574800">
-                  <a:moveTo>
-                    <a:pt x="0" y="0"/>
-                  </a:moveTo>
-                  <a:lnTo>
-                    <a:pt x="622300" y="0"/>
-                  </a:lnTo>
-                  <a:lnTo>
-                    <a:pt x="622300" y="1574800"/>
-                  </a:lnTo>
-                  <a:lnTo>
-                    <a:pt x="482600" y="1574800"/>
-                  </a:lnTo>
-                  <a:lnTo>
-                    <a:pt x="0" y="1574800"/>
-                  </a:lnTo>
-                </a:path>
-              </a:pathLst>
-            </a:custGeom>
-            <a:noFill/>
-            <a:ln w="12700">
-              <a:solidFill>
-                <a:schemeClr val="tx2"/>
-              </a:solidFill>
-            </a:ln>
-          </p:spPr>
-          <p:style>
-            <a:lnRef idx="2">
-              <a:schemeClr val="accent1">
-                <a:shade val="50000"/>
-              </a:schemeClr>
-            </a:lnRef>
-            <a:fillRef idx="1">
-              <a:schemeClr val="accent1"/>
-            </a:fillRef>
-            <a:effectRef idx="0">
-              <a:schemeClr val="accent1"/>
-            </a:effectRef>
-            <a:fontRef idx="minor">
-              <a:schemeClr val="lt1"/>
-            </a:fontRef>
-          </p:style>
-          <p:txBody>
-            <a:bodyPr rtlCol="0" anchor="ctr"/>
-            <a:lstStyle/>
-            <a:p>
-              <a:pPr algn="ctr"/>
-              <a:endParaRPr lang="en-US"/>
-            </a:p>
-          </p:txBody>
-        </p:sp>
-        <p:cxnSp>
-          <p:nvCxnSpPr>
-            <p:cNvPr id="66" name="Straight Arrow Connector 65">
-              <a:extLst>
-                <a:ext uri="{FF2B5EF4-FFF2-40B4-BE49-F238E27FC236}">
-                  <a16:creationId xmlns:a16="http://schemas.microsoft.com/office/drawing/2014/main" id="{7963986A-0C51-9443-AB58-F9D24D7805EF}"/>
-                </a:ext>
-              </a:extLst>
-            </p:cNvPr>
-            <p:cNvCxnSpPr>
-              <a:cxnSpLocks/>
-            </p:cNvCxnSpPr>
-            <p:nvPr/>
-          </p:nvCxnSpPr>
-          <p:spPr>
-            <a:xfrm>
-              <a:off x="3595221" y="1216272"/>
-              <a:ext cx="573077" cy="0"/>
-            </a:xfrm>
-            <a:prstGeom prst="straightConnector1">
-              <a:avLst/>
-            </a:prstGeom>
-            <a:ln w="12700">
-              <a:solidFill>
-                <a:srgbClr val="545B64"/>
-              </a:solidFill>
-              <a:headEnd type="none" w="med" len="sm"/>
-              <a:tailEnd type="arrow" w="med" len="sm"/>
-            </a:ln>
-          </p:spPr>
-          <p:style>
-            <a:lnRef idx="1">
-              <a:schemeClr val="accent1"/>
-            </a:lnRef>
-            <a:fillRef idx="0">
-              <a:schemeClr val="accent1"/>
-            </a:fillRef>
-            <a:effectRef idx="0">
-              <a:schemeClr val="accent1"/>
-            </a:effectRef>
-            <a:fontRef idx="minor">
-              <a:schemeClr val="tx1"/>
-            </a:fontRef>
-          </p:style>
-        </p:cxnSp>
-      </p:grpSp>
       <p:sp>
         <p:nvSpPr>
           <p:cNvPr id="67" name="Freeform 66">
@@ -4246,8 +3997,8 @@
         </p:nvSpPr>
         <p:spPr>
           <a:xfrm rot="5400000" flipH="1" flipV="1">
-            <a:off x="7322062" y="304706"/>
-            <a:ext cx="1527521" cy="3546150"/>
+            <a:off x="7050257" y="-214921"/>
+            <a:ext cx="1527521" cy="4585402"/>
           </a:xfrm>
           <a:custGeom>
             <a:avLst/>
@@ -4322,10 +4073,137 @@
       </p:sp>
       <p:sp>
         <p:nvSpPr>
-          <p:cNvPr id="68" name="Freeform 67">
-            <a:extLst>
-              <a:ext uri="{FF2B5EF4-FFF2-40B4-BE49-F238E27FC236}">
-                <a16:creationId xmlns:a16="http://schemas.microsoft.com/office/drawing/2014/main" id="{BD84D813-EFBD-9E47-AC72-93570B768062}"/>
+          <p:cNvPr id="69" name="Title 1">
+            <a:extLst>
+              <a:ext uri="{FF2B5EF4-FFF2-40B4-BE49-F238E27FC236}">
+                <a16:creationId xmlns:a16="http://schemas.microsoft.com/office/drawing/2014/main" id="{DF6F9D68-1F22-4548-9C79-05C17E6A7397}"/>
+              </a:ext>
+            </a:extLst>
+          </p:cNvPr>
+          <p:cNvSpPr txBox="1">
+            <a:spLocks/>
+          </p:cNvSpPr>
+          <p:nvPr/>
+        </p:nvSpPr>
+        <p:spPr>
+          <a:xfrm>
+            <a:off x="202294" y="390334"/>
+            <a:ext cx="6532780" cy="559397"/>
+          </a:xfrm>
+          <a:prstGeom prst="rect">
+            <a:avLst/>
+          </a:prstGeom>
+        </p:spPr>
+        <p:txBody>
+          <a:bodyPr/>
+          <a:lstStyle>
+            <a:lvl1pPr algn="l" defTabSz="914400" rtl="0" eaLnBrk="1" latinLnBrk="0" hangingPunct="1">
+              <a:lnSpc>
+                <a:spcPct val="90000"/>
+              </a:lnSpc>
+              <a:spcBef>
+                <a:spcPct val="0"/>
+              </a:spcBef>
+              <a:buNone/>
+              <a:defRPr sz="4400" kern="1200">
+                <a:solidFill>
+                  <a:schemeClr val="tx1"/>
+                </a:solidFill>
+                <a:latin typeface="+mj-lt"/>
+                <a:ea typeface="+mj-ea"/>
+                <a:cs typeface="+mj-cs"/>
+              </a:defRPr>
+            </a:lvl1pPr>
+          </a:lstStyle>
+          <a:p>
+            <a:r>
+              <a:rPr lang="en-US" dirty="0" err="1"/>
+              <a:t>get_forecast</a:t>
+            </a:r>
+            <a:endParaRPr lang="en-US" dirty="0"/>
+          </a:p>
+        </p:txBody>
+      </p:sp>
+      <p:sp>
+        <p:nvSpPr>
+          <p:cNvPr id="70" name="TextBox 69">
+            <a:extLst>
+              <a:ext uri="{FF2B5EF4-FFF2-40B4-BE49-F238E27FC236}">
+                <a16:creationId xmlns:a16="http://schemas.microsoft.com/office/drawing/2014/main" id="{8C3982F1-7203-DE47-BEEA-E9339822DD76}"/>
+              </a:ext>
+            </a:extLst>
+          </p:cNvPr>
+          <p:cNvSpPr txBox="1"/>
+          <p:nvPr/>
+        </p:nvSpPr>
+        <p:spPr>
+          <a:xfrm>
+            <a:off x="6736082" y="2332859"/>
+            <a:ext cx="2301904" cy="523220"/>
+          </a:xfrm>
+          <a:prstGeom prst="rect">
+            <a:avLst/>
+          </a:prstGeom>
+          <a:noFill/>
+        </p:spPr>
+        <p:txBody>
+          <a:bodyPr wrap="square" rtlCol="0">
+            <a:spAutoFit/>
+          </a:bodyPr>
+          <a:lstStyle/>
+          <a:p>
+            <a:pPr algn="ctr"/>
+            <a:r>
+              <a:rPr lang="en-US" sz="1400" dirty="0">
+                <a:latin typeface="+mj-lt"/>
+              </a:rPr>
+              <a:t>AWS Identity and Access Management</a:t>
+            </a:r>
+          </a:p>
+        </p:txBody>
+      </p:sp>
+      <p:pic>
+        <p:nvPicPr>
+          <p:cNvPr id="71" name="Graphic 70">
+            <a:extLst>
+              <a:ext uri="{FF2B5EF4-FFF2-40B4-BE49-F238E27FC236}">
+                <a16:creationId xmlns:a16="http://schemas.microsoft.com/office/drawing/2014/main" id="{298D68BA-3457-8945-A93C-6027F5EBA82C}"/>
+              </a:ext>
+            </a:extLst>
+          </p:cNvPr>
+          <p:cNvPicPr>
+            <a:picLocks noChangeAspect="1"/>
+          </p:cNvPicPr>
+          <p:nvPr/>
+        </p:nvPicPr>
+        <p:blipFill>
+          <a:blip r:embed="rId16">
+            <a:extLst>
+              <a:ext uri="{96DAC541-7B7A-43D3-8B79-37D633B846F1}">
+                <asvg:svgBlip xmlns:asvg="http://schemas.microsoft.com/office/drawing/2016/SVG/main" r:embed="rId17"/>
+              </a:ext>
+            </a:extLst>
+          </a:blip>
+          <a:stretch>
+            <a:fillRect/>
+          </a:stretch>
+        </p:blipFill>
+        <p:spPr>
+          <a:xfrm>
+            <a:off x="7571205" y="1598846"/>
+            <a:ext cx="711200" cy="711200"/>
+          </a:xfrm>
+          <a:prstGeom prst="rect">
+            <a:avLst/>
+          </a:prstGeom>
+        </p:spPr>
+      </p:pic>
+      <p:sp>
+        <p:nvSpPr>
+          <p:cNvPr id="72" name="Freeform 71">
+            <a:extLst>
+              <a:ext uri="{FF2B5EF4-FFF2-40B4-BE49-F238E27FC236}">
+                <a16:creationId xmlns:a16="http://schemas.microsoft.com/office/drawing/2014/main" id="{64F96724-E555-B641-9315-1E951FF55246}"/>
               </a:ext>
             </a:extLst>
           </p:cNvPr>
@@ -4333,9 +4211,9 @@
           <p:nvPr/>
         </p:nvSpPr>
         <p:spPr>
-          <a:xfrm rot="16200000" flipH="1">
-            <a:off x="5121903" y="2154031"/>
-            <a:ext cx="1020254" cy="596085"/>
+          <a:xfrm rot="5400000" flipH="1" flipV="1">
+            <a:off x="6230890" y="1501223"/>
+            <a:ext cx="899595" cy="1781035"/>
           </a:xfrm>
           <a:custGeom>
             <a:avLst/>
@@ -4408,101 +4286,106 @@
           </a:p>
         </p:txBody>
       </p:sp>
-      <p:sp>
-        <p:nvSpPr>
-          <p:cNvPr id="69" name="Title 1">
-            <a:extLst>
-              <a:ext uri="{FF2B5EF4-FFF2-40B4-BE49-F238E27FC236}">
-                <a16:creationId xmlns:a16="http://schemas.microsoft.com/office/drawing/2014/main" id="{DF6F9D68-1F22-4548-9C79-05C17E6A7397}"/>
-              </a:ext>
-            </a:extLst>
-          </p:cNvPr>
-          <p:cNvSpPr txBox="1">
-            <a:spLocks/>
-          </p:cNvSpPr>
+      <p:pic>
+        <p:nvPicPr>
+          <p:cNvPr id="1026" name="Picture 2" descr="Slack Productivity - Review 2020 - PCMag UK">
+            <a:extLst>
+              <a:ext uri="{FF2B5EF4-FFF2-40B4-BE49-F238E27FC236}">
+                <a16:creationId xmlns:a16="http://schemas.microsoft.com/office/drawing/2014/main" id="{EE816BBE-A86F-974D-A32E-DBE05C143C3D}"/>
+              </a:ext>
+            </a:extLst>
+          </p:cNvPr>
+          <p:cNvPicPr>
+            <a:picLocks noChangeAspect="1" noChangeArrowheads="1"/>
+          </p:cNvPicPr>
           <p:nvPr/>
-        </p:nvSpPr>
-        <p:spPr>
+        </p:nvPicPr>
+        <p:blipFill>
+          <a:blip r:embed="rId18">
+            <a:extLst>
+              <a:ext uri="{28A0092B-C50C-407E-A947-70E740481C1C}">
+                <a14:useLocalDpi xmlns:a14="http://schemas.microsoft.com/office/drawing/2010/main" val="0"/>
+              </a:ext>
+            </a:extLst>
+          </a:blip>
+          <a:srcRect/>
+          <a:stretch>
+            <a:fillRect/>
+          </a:stretch>
+        </p:blipFill>
+        <p:spPr bwMode="auto">
           <a:xfrm>
-            <a:off x="202294" y="390334"/>
-            <a:ext cx="6532780" cy="559397"/>
-          </a:xfrm>
-          <a:prstGeom prst="rect">
-            <a:avLst/>
-          </a:prstGeom>
-        </p:spPr>
-        <p:txBody>
-          <a:bodyPr/>
-          <a:lstStyle>
-            <a:lvl1pPr algn="l" defTabSz="914400" rtl="0" eaLnBrk="1" latinLnBrk="0" hangingPunct="1">
-              <a:lnSpc>
-                <a:spcPct val="90000"/>
-              </a:lnSpc>
-              <a:spcBef>
-                <a:spcPct val="0"/>
-              </a:spcBef>
-              <a:buNone/>
-              <a:defRPr sz="4400" kern="1200">
-                <a:solidFill>
-                  <a:schemeClr val="tx1"/>
-                </a:solidFill>
-                <a:latin typeface="+mj-lt"/>
-                <a:ea typeface="+mj-ea"/>
-                <a:cs typeface="+mj-cs"/>
-              </a:defRPr>
-            </a:lvl1pPr>
-          </a:lstStyle>
-          <a:p>
-            <a:r>
-              <a:rPr lang="en-US" dirty="0" err="1"/>
-              <a:t>get_forecast</a:t>
-            </a:r>
-            <a:endParaRPr lang="en-US" dirty="0"/>
-          </a:p>
-        </p:txBody>
-      </p:sp>
-      <p:sp>
-        <p:nvSpPr>
-          <p:cNvPr id="70" name="TextBox 69">
-            <a:extLst>
-              <a:ext uri="{FF2B5EF4-FFF2-40B4-BE49-F238E27FC236}">
-                <a16:creationId xmlns:a16="http://schemas.microsoft.com/office/drawing/2014/main" id="{8C3982F1-7203-DE47-BEEA-E9339822DD76}"/>
-              </a:ext>
-            </a:extLst>
-          </p:cNvPr>
-          <p:cNvSpPr txBox="1"/>
-          <p:nvPr/>
-        </p:nvSpPr>
-        <p:spPr>
-          <a:xfrm>
-            <a:off x="7169539" y="2330162"/>
-            <a:ext cx="2301904" cy="523220"/>
+            <a:off x="1200391" y="2640701"/>
+            <a:ext cx="1913671" cy="1078124"/>
           </a:xfrm>
           <a:prstGeom prst="rect">
             <a:avLst/>
           </a:prstGeom>
           <a:noFill/>
-        </p:spPr>
-        <p:txBody>
-          <a:bodyPr wrap="square" rtlCol="0">
-            <a:spAutoFit/>
-          </a:bodyPr>
-          <a:lstStyle/>
-          <a:p>
-            <a:pPr algn="ctr"/>
-            <a:r>
-              <a:rPr lang="en-US" sz="1400" dirty="0"/>
-              <a:t>AWS Identity and Access Management</a:t>
-            </a:r>
-          </a:p>
-        </p:txBody>
-      </p:sp>
+          <a:extLst>
+            <a:ext uri="{909E8E84-426E-40DD-AFC4-6F175D3DCCD1}">
+              <a14:hiddenFill xmlns:a14="http://schemas.microsoft.com/office/drawing/2010/main">
+                <a:solidFill>
+                  <a:srgbClr val="FFFFFF"/>
+                </a:solidFill>
+              </a14:hiddenFill>
+            </a:ext>
+          </a:extLst>
+        </p:spPr>
+      </p:pic>
+      <p:cxnSp>
+        <p:nvCxnSpPr>
+          <p:cNvPr id="74" name="Straight Arrow Connector 73">
+            <a:extLst>
+              <a:ext uri="{FF2B5EF4-FFF2-40B4-BE49-F238E27FC236}">
+                <a16:creationId xmlns:a16="http://schemas.microsoft.com/office/drawing/2014/main" id="{11AFFAD6-60DF-B74B-9025-421838335F3E}"/>
+              </a:ext>
+            </a:extLst>
+          </p:cNvPr>
+          <p:cNvCxnSpPr>
+            <a:cxnSpLocks/>
+            <a:stCxn id="7" idx="1"/>
+            <a:endCxn id="1026" idx="3"/>
+          </p:cNvCxnSpPr>
+          <p:nvPr/>
+        </p:nvCxnSpPr>
+        <p:spPr>
+          <a:xfrm flipH="1" flipV="1">
+            <a:off x="3114062" y="3179763"/>
+            <a:ext cx="2176589" cy="17385"/>
+          </a:xfrm>
+          <a:prstGeom prst="straightConnector1">
+            <a:avLst/>
+          </a:prstGeom>
+          <a:ln w="12700">
+            <a:solidFill>
+              <a:schemeClr val="tx2"/>
+            </a:solidFill>
+            <a:headEnd type="none" w="med" len="sm"/>
+            <a:tailEnd type="arrow" w="med" len="sm"/>
+          </a:ln>
+        </p:spPr>
+        <p:style>
+          <a:lnRef idx="1">
+            <a:schemeClr val="accent1"/>
+          </a:lnRef>
+          <a:fillRef idx="0">
+            <a:schemeClr val="accent1"/>
+          </a:fillRef>
+          <a:effectRef idx="0">
+            <a:schemeClr val="accent1"/>
+          </a:effectRef>
+          <a:fontRef idx="minor">
+            <a:schemeClr val="tx1"/>
+          </a:fontRef>
+        </p:style>
+      </p:cxnSp>
       <p:pic>
         <p:nvPicPr>
-          <p:cNvPr id="71" name="Graphic 70">
-            <a:extLst>
-              <a:ext uri="{FF2B5EF4-FFF2-40B4-BE49-F238E27FC236}">
-                <a16:creationId xmlns:a16="http://schemas.microsoft.com/office/drawing/2014/main" id="{298D68BA-3457-8945-A93C-6027F5EBA82C}"/>
+          <p:cNvPr id="81" name="Graphic 80">
+            <a:extLst>
+              <a:ext uri="{FF2B5EF4-FFF2-40B4-BE49-F238E27FC236}">
+                <a16:creationId xmlns:a16="http://schemas.microsoft.com/office/drawing/2014/main" id="{FE00282F-56BD-3747-AF6F-AB6AD95B38C6}"/>
               </a:ext>
             </a:extLst>
           </p:cNvPr>
@@ -4512,10 +4395,10 @@
           <p:nvPr/>
         </p:nvPicPr>
         <p:blipFill>
-          <a:blip r:embed="rId18">
+          <a:blip r:embed="rId19">
             <a:extLst>
               <a:ext uri="{96DAC541-7B7A-43D3-8B79-37D633B846F1}">
-                <asvg:svgBlip xmlns:asvg="http://schemas.microsoft.com/office/drawing/2016/SVG/main" r:embed="rId19"/>
+                <asvg:svgBlip xmlns:asvg="http://schemas.microsoft.com/office/drawing/2016/SVG/main" r:embed="rId20"/>
               </a:ext>
             </a:extLst>
           </a:blip>
@@ -4524,9 +4407,9 @@
           </a:stretch>
         </p:blipFill>
         <p:spPr>
-          <a:xfrm>
-            <a:off x="7938831" y="1598846"/>
-            <a:ext cx="711200" cy="711200"/>
+          <a:xfrm flipH="1">
+            <a:off x="431681" y="4639389"/>
+            <a:ext cx="483586" cy="469900"/>
           </a:xfrm>
           <a:prstGeom prst="rect">
             <a:avLst/>
@@ -4535,10 +4418,46 @@
       </p:pic>
       <p:sp>
         <p:nvSpPr>
-          <p:cNvPr id="72" name="Freeform 71">
-            <a:extLst>
-              <a:ext uri="{FF2B5EF4-FFF2-40B4-BE49-F238E27FC236}">
-                <a16:creationId xmlns:a16="http://schemas.microsoft.com/office/drawing/2014/main" id="{64F96724-E555-B641-9315-1E951FF55246}"/>
+          <p:cNvPr id="82" name="TextBox 81">
+            <a:extLst>
+              <a:ext uri="{FF2B5EF4-FFF2-40B4-BE49-F238E27FC236}">
+                <a16:creationId xmlns:a16="http://schemas.microsoft.com/office/drawing/2014/main" id="{938D3211-E935-3F49-9792-E4401122BBF7}"/>
+              </a:ext>
+            </a:extLst>
+          </p:cNvPr>
+          <p:cNvSpPr txBox="1"/>
+          <p:nvPr/>
+        </p:nvSpPr>
+        <p:spPr>
+          <a:xfrm>
+            <a:off x="-72544" y="5162923"/>
+            <a:ext cx="1506552" cy="307777"/>
+          </a:xfrm>
+          <a:prstGeom prst="rect">
+            <a:avLst/>
+          </a:prstGeom>
+          <a:noFill/>
+        </p:spPr>
+        <p:txBody>
+          <a:bodyPr wrap="square" rtlCol="0">
+            <a:spAutoFit/>
+          </a:bodyPr>
+          <a:lstStyle/>
+          <a:p>
+            <a:pPr algn="ctr"/>
+            <a:r>
+              <a:rPr lang="en-US" sz="1400" dirty="0"/>
+              <a:t>Slack Users</a:t>
+            </a:r>
+          </a:p>
+        </p:txBody>
+      </p:sp>
+      <p:sp>
+        <p:nvSpPr>
+          <p:cNvPr id="87" name="Freeform 86">
+            <a:extLst>
+              <a:ext uri="{FF2B5EF4-FFF2-40B4-BE49-F238E27FC236}">
+                <a16:creationId xmlns:a16="http://schemas.microsoft.com/office/drawing/2014/main" id="{6CA3BFB9-7E52-FD4D-8B85-5F7B3BEAFE0E}"/>
               </a:ext>
             </a:extLst>
           </p:cNvPr>
@@ -4547,8 +4466,8 @@
         </p:nvSpPr>
         <p:spPr>
           <a:xfrm rot="5400000" flipH="1" flipV="1">
-            <a:off x="6764817" y="1672094"/>
-            <a:ext cx="899595" cy="1439299"/>
+            <a:off x="191684" y="3630679"/>
+            <a:ext cx="1492889" cy="524529"/>
           </a:xfrm>
           <a:custGeom>
             <a:avLst/>
@@ -4621,178 +4540,12 @@
           </a:p>
         </p:txBody>
       </p:sp>
-      <p:pic>
-        <p:nvPicPr>
-          <p:cNvPr id="1026" name="Picture 2" descr="Slack Productivity - Review 2020 - PCMag UK">
-            <a:extLst>
-              <a:ext uri="{FF2B5EF4-FFF2-40B4-BE49-F238E27FC236}">
-                <a16:creationId xmlns:a16="http://schemas.microsoft.com/office/drawing/2014/main" id="{EE816BBE-A86F-974D-A32E-DBE05C143C3D}"/>
-              </a:ext>
-            </a:extLst>
-          </p:cNvPr>
-          <p:cNvPicPr>
-            <a:picLocks noChangeAspect="1" noChangeArrowheads="1"/>
-          </p:cNvPicPr>
-          <p:nvPr/>
-        </p:nvPicPr>
-        <p:blipFill>
-          <a:blip r:embed="rId20">
-            <a:extLst>
-              <a:ext uri="{28A0092B-C50C-407E-A947-70E740481C1C}">
-                <a14:useLocalDpi xmlns:a14="http://schemas.microsoft.com/office/drawing/2010/main" val="0"/>
-              </a:ext>
-            </a:extLst>
-          </a:blip>
-          <a:srcRect/>
-          <a:stretch>
-            <a:fillRect/>
-          </a:stretch>
-        </p:blipFill>
-        <p:spPr bwMode="auto">
-          <a:xfrm>
-            <a:off x="1736754" y="2640701"/>
-            <a:ext cx="1913671" cy="1078124"/>
-          </a:xfrm>
-          <a:prstGeom prst="rect">
-            <a:avLst/>
-          </a:prstGeom>
-          <a:noFill/>
-          <a:extLst>
-            <a:ext uri="{909E8E84-426E-40DD-AFC4-6F175D3DCCD1}">
-              <a14:hiddenFill xmlns:a14="http://schemas.microsoft.com/office/drawing/2010/main">
-                <a:solidFill>
-                  <a:srgbClr val="FFFFFF"/>
-                </a:solidFill>
-              </a14:hiddenFill>
-            </a:ext>
-          </a:extLst>
-        </p:spPr>
-      </p:pic>
-      <p:cxnSp>
-        <p:nvCxnSpPr>
-          <p:cNvPr id="74" name="Straight Arrow Connector 73">
-            <a:extLst>
-              <a:ext uri="{FF2B5EF4-FFF2-40B4-BE49-F238E27FC236}">
-                <a16:creationId xmlns:a16="http://schemas.microsoft.com/office/drawing/2014/main" id="{11AFFAD6-60DF-B74B-9025-421838335F3E}"/>
-              </a:ext>
-            </a:extLst>
-          </p:cNvPr>
-          <p:cNvCxnSpPr>
-            <a:cxnSpLocks/>
-            <a:stCxn id="7" idx="1"/>
-            <a:endCxn id="1026" idx="3"/>
-          </p:cNvCxnSpPr>
-          <p:nvPr/>
-        </p:nvCxnSpPr>
-        <p:spPr>
-          <a:xfrm flipH="1" flipV="1">
-            <a:off x="3650425" y="3179763"/>
-            <a:ext cx="2288096" cy="17385"/>
-          </a:xfrm>
-          <a:prstGeom prst="straightConnector1">
-            <a:avLst/>
-          </a:prstGeom>
-          <a:ln w="12700">
-            <a:solidFill>
-              <a:schemeClr val="tx2"/>
-            </a:solidFill>
-            <a:headEnd type="none" w="med" len="sm"/>
-            <a:tailEnd type="arrow" w="med" len="sm"/>
-          </a:ln>
-        </p:spPr>
-        <p:style>
-          <a:lnRef idx="1">
-            <a:schemeClr val="accent1"/>
-          </a:lnRef>
-          <a:fillRef idx="0">
-            <a:schemeClr val="accent1"/>
-          </a:fillRef>
-          <a:effectRef idx="0">
-            <a:schemeClr val="accent1"/>
-          </a:effectRef>
-          <a:fontRef idx="minor">
-            <a:schemeClr val="tx1"/>
-          </a:fontRef>
-        </p:style>
-      </p:cxnSp>
-      <p:pic>
-        <p:nvPicPr>
-          <p:cNvPr id="81" name="Graphic 80">
-            <a:extLst>
-              <a:ext uri="{FF2B5EF4-FFF2-40B4-BE49-F238E27FC236}">
-                <a16:creationId xmlns:a16="http://schemas.microsoft.com/office/drawing/2014/main" id="{FE00282F-56BD-3747-AF6F-AB6AD95B38C6}"/>
-              </a:ext>
-            </a:extLst>
-          </p:cNvPr>
-          <p:cNvPicPr>
-            <a:picLocks noChangeAspect="1"/>
-          </p:cNvPicPr>
-          <p:nvPr/>
-        </p:nvPicPr>
-        <p:blipFill>
-          <a:blip r:embed="rId21">
-            <a:extLst>
-              <a:ext uri="{96DAC541-7B7A-43D3-8B79-37D633B846F1}">
-                <asvg:svgBlip xmlns:asvg="http://schemas.microsoft.com/office/drawing/2016/SVG/main" r:embed="rId22"/>
-              </a:ext>
-            </a:extLst>
-          </a:blip>
-          <a:stretch>
-            <a:fillRect/>
-          </a:stretch>
-        </p:blipFill>
-        <p:spPr>
-          <a:xfrm flipH="1">
-            <a:off x="431681" y="4639389"/>
-            <a:ext cx="483586" cy="469900"/>
-          </a:xfrm>
-          <a:prstGeom prst="rect">
-            <a:avLst/>
-          </a:prstGeom>
-        </p:spPr>
-      </p:pic>
-      <p:sp>
-        <p:nvSpPr>
-          <p:cNvPr id="82" name="TextBox 81">
-            <a:extLst>
-              <a:ext uri="{FF2B5EF4-FFF2-40B4-BE49-F238E27FC236}">
-                <a16:creationId xmlns:a16="http://schemas.microsoft.com/office/drawing/2014/main" id="{938D3211-E935-3F49-9792-E4401122BBF7}"/>
-              </a:ext>
-            </a:extLst>
-          </p:cNvPr>
-          <p:cNvSpPr txBox="1"/>
-          <p:nvPr/>
-        </p:nvSpPr>
-        <p:spPr>
-          <a:xfrm>
-            <a:off x="-72544" y="5162923"/>
-            <a:ext cx="1506552" cy="307777"/>
-          </a:xfrm>
-          <a:prstGeom prst="rect">
-            <a:avLst/>
-          </a:prstGeom>
-          <a:noFill/>
-        </p:spPr>
-        <p:txBody>
-          <a:bodyPr wrap="square" rtlCol="0">
-            <a:spAutoFit/>
-          </a:bodyPr>
-          <a:lstStyle/>
-          <a:p>
-            <a:pPr algn="ctr"/>
-            <a:r>
-              <a:rPr lang="en-US" sz="1400" dirty="0"/>
-              <a:t>Slack Users</a:t>
-            </a:r>
-          </a:p>
-        </p:txBody>
-      </p:sp>
-      <p:sp>
-        <p:nvSpPr>
-          <p:cNvPr id="87" name="Freeform 86">
-            <a:extLst>
-              <a:ext uri="{FF2B5EF4-FFF2-40B4-BE49-F238E27FC236}">
-                <a16:creationId xmlns:a16="http://schemas.microsoft.com/office/drawing/2014/main" id="{6CA3BFB9-7E52-FD4D-8B85-5F7B3BEAFE0E}"/>
+      <p:sp>
+        <p:nvSpPr>
+          <p:cNvPr id="45" name="Freeform 44">
+            <a:extLst>
+              <a:ext uri="{FF2B5EF4-FFF2-40B4-BE49-F238E27FC236}">
+                <a16:creationId xmlns:a16="http://schemas.microsoft.com/office/drawing/2014/main" id="{A5AB3520-33BA-5749-97F2-7075982A8226}"/>
               </a:ext>
             </a:extLst>
           </p:cNvPr>
@@ -4800,9 +4553,9 @@
           <p:nvPr/>
         </p:nvSpPr>
         <p:spPr>
-          <a:xfrm rot="5400000" flipH="1" flipV="1">
-            <a:off x="459864" y="3362499"/>
-            <a:ext cx="1492889" cy="1060890"/>
+          <a:xfrm rot="5400000" flipH="1">
+            <a:off x="6393737" y="3036072"/>
+            <a:ext cx="1134822" cy="1920677"/>
           </a:xfrm>
           <a:custGeom>
             <a:avLst/>
@@ -4875,6 +4628,125 @@
           </a:p>
         </p:txBody>
       </p:sp>
+      <p:cxnSp>
+        <p:nvCxnSpPr>
+          <p:cNvPr id="51" name="Straight Arrow Connector 50">
+            <a:extLst>
+              <a:ext uri="{FF2B5EF4-FFF2-40B4-BE49-F238E27FC236}">
+                <a16:creationId xmlns:a16="http://schemas.microsoft.com/office/drawing/2014/main" id="{39BCC21F-5E42-C848-9790-E73EE682A160}"/>
+              </a:ext>
+            </a:extLst>
+          </p:cNvPr>
+          <p:cNvCxnSpPr>
+            <a:cxnSpLocks/>
+            <a:stCxn id="11" idx="2"/>
+            <a:endCxn id="37" idx="0"/>
+          </p:cNvCxnSpPr>
+          <p:nvPr/>
+        </p:nvCxnSpPr>
+        <p:spPr>
+          <a:xfrm>
+            <a:off x="5646251" y="3890667"/>
+            <a:ext cx="0" cy="714484"/>
+          </a:xfrm>
+          <a:prstGeom prst="straightConnector1">
+            <a:avLst/>
+          </a:prstGeom>
+          <a:ln w="12700">
+            <a:solidFill>
+              <a:schemeClr val="tx2"/>
+            </a:solidFill>
+            <a:headEnd type="none" w="med" len="sm"/>
+            <a:tailEnd type="arrow" w="med" len="sm"/>
+          </a:ln>
+        </p:spPr>
+        <p:style>
+          <a:lnRef idx="1">
+            <a:schemeClr val="accent1"/>
+          </a:lnRef>
+          <a:fillRef idx="0">
+            <a:schemeClr val="accent1"/>
+          </a:fillRef>
+          <a:effectRef idx="0">
+            <a:schemeClr val="accent1"/>
+          </a:effectRef>
+          <a:fontRef idx="minor">
+            <a:schemeClr val="tx1"/>
+          </a:fontRef>
+        </p:style>
+      </p:cxnSp>
+      <p:sp>
+        <p:nvSpPr>
+          <p:cNvPr id="36" name="TextBox 35">
+            <a:extLst>
+              <a:ext uri="{FF2B5EF4-FFF2-40B4-BE49-F238E27FC236}">
+                <a16:creationId xmlns:a16="http://schemas.microsoft.com/office/drawing/2014/main" id="{66AFE7F5-C0E8-B947-9700-320A97361DC9}"/>
+              </a:ext>
+            </a:extLst>
+          </p:cNvPr>
+          <p:cNvSpPr txBox="1"/>
+          <p:nvPr/>
+        </p:nvSpPr>
+        <p:spPr>
+          <a:xfrm>
+            <a:off x="9364802" y="5316351"/>
+            <a:ext cx="2301904" cy="307777"/>
+          </a:xfrm>
+          <a:prstGeom prst="rect">
+            <a:avLst/>
+          </a:prstGeom>
+          <a:noFill/>
+        </p:spPr>
+        <p:txBody>
+          <a:bodyPr wrap="square" rtlCol="0">
+            <a:spAutoFit/>
+          </a:bodyPr>
+          <a:lstStyle/>
+          <a:p>
+            <a:pPr algn="ctr"/>
+            <a:r>
+              <a:rPr lang="en-US" sz="1400" dirty="0"/>
+              <a:t>AWS CloudFormation</a:t>
+            </a:r>
+          </a:p>
+        </p:txBody>
+      </p:sp>
+      <p:pic>
+        <p:nvPicPr>
+          <p:cNvPr id="41" name="Graphic 40">
+            <a:extLst>
+              <a:ext uri="{FF2B5EF4-FFF2-40B4-BE49-F238E27FC236}">
+                <a16:creationId xmlns:a16="http://schemas.microsoft.com/office/drawing/2014/main" id="{E9620B42-8709-4748-AC44-1A77EB8D0472}"/>
+              </a:ext>
+            </a:extLst>
+          </p:cNvPr>
+          <p:cNvPicPr>
+            <a:picLocks noChangeAspect="1"/>
+          </p:cNvPicPr>
+          <p:nvPr/>
+        </p:nvPicPr>
+        <p:blipFill>
+          <a:blip r:embed="rId21">
+            <a:extLst>
+              <a:ext uri="{96DAC541-7B7A-43D3-8B79-37D633B846F1}">
+                <asvg:svgBlip xmlns:asvg="http://schemas.microsoft.com/office/drawing/2016/SVG/main" r:embed="rId22"/>
+              </a:ext>
+            </a:extLst>
+          </a:blip>
+          <a:stretch>
+            <a:fillRect/>
+          </a:stretch>
+        </p:blipFill>
+        <p:spPr>
+          <a:xfrm>
+            <a:off x="10160154" y="4605151"/>
+            <a:ext cx="711200" cy="711200"/>
+          </a:xfrm>
+          <a:prstGeom prst="rect">
+            <a:avLst/>
+          </a:prstGeom>
+        </p:spPr>
+      </p:pic>
     </p:spTree>
     <p:extLst>
       <p:ext uri="{BB962C8B-B14F-4D97-AF65-F5344CB8AC3E}">

--- a/images/aws_architecture.pptx
+++ b/images/aws_architecture.pptx
@@ -259,7 +259,7 @@
           <a:p>
             <a:fld id="{42AC6DE8-5C89-714B-A3A1-F7E061897443}" type="datetimeFigureOut">
               <a:rPr lang="en-US" smtClean="0"/>
-              <a:t>9/7/20</a:t>
+              <a:t>9/13/20</a:t>
             </a:fld>
             <a:endParaRPr lang="en-US"/>
           </a:p>
@@ -457,7 +457,7 @@
           <a:p>
             <a:fld id="{42AC6DE8-5C89-714B-A3A1-F7E061897443}" type="datetimeFigureOut">
               <a:rPr lang="en-US" smtClean="0"/>
-              <a:t>9/7/20</a:t>
+              <a:t>9/13/20</a:t>
             </a:fld>
             <a:endParaRPr lang="en-US"/>
           </a:p>
@@ -665,7 +665,7 @@
           <a:p>
             <a:fld id="{42AC6DE8-5C89-714B-A3A1-F7E061897443}" type="datetimeFigureOut">
               <a:rPr lang="en-US" smtClean="0"/>
-              <a:t>9/7/20</a:t>
+              <a:t>9/13/20</a:t>
             </a:fld>
             <a:endParaRPr lang="en-US"/>
           </a:p>
@@ -863,7 +863,7 @@
           <a:p>
             <a:fld id="{42AC6DE8-5C89-714B-A3A1-F7E061897443}" type="datetimeFigureOut">
               <a:rPr lang="en-US" smtClean="0"/>
-              <a:t>9/7/20</a:t>
+              <a:t>9/13/20</a:t>
             </a:fld>
             <a:endParaRPr lang="en-US"/>
           </a:p>
@@ -1138,7 +1138,7 @@
           <a:p>
             <a:fld id="{42AC6DE8-5C89-714B-A3A1-F7E061897443}" type="datetimeFigureOut">
               <a:rPr lang="en-US" smtClean="0"/>
-              <a:t>9/7/20</a:t>
+              <a:t>9/13/20</a:t>
             </a:fld>
             <a:endParaRPr lang="en-US"/>
           </a:p>
@@ -1403,7 +1403,7 @@
           <a:p>
             <a:fld id="{42AC6DE8-5C89-714B-A3A1-F7E061897443}" type="datetimeFigureOut">
               <a:rPr lang="en-US" smtClean="0"/>
-              <a:t>9/7/20</a:t>
+              <a:t>9/13/20</a:t>
             </a:fld>
             <a:endParaRPr lang="en-US"/>
           </a:p>
@@ -1815,7 +1815,7 @@
           <a:p>
             <a:fld id="{42AC6DE8-5C89-714B-A3A1-F7E061897443}" type="datetimeFigureOut">
               <a:rPr lang="en-US" smtClean="0"/>
-              <a:t>9/7/20</a:t>
+              <a:t>9/13/20</a:t>
             </a:fld>
             <a:endParaRPr lang="en-US"/>
           </a:p>
@@ -1956,7 +1956,7 @@
           <a:p>
             <a:fld id="{42AC6DE8-5C89-714B-A3A1-F7E061897443}" type="datetimeFigureOut">
               <a:rPr lang="en-US" smtClean="0"/>
-              <a:t>9/7/20</a:t>
+              <a:t>9/13/20</a:t>
             </a:fld>
             <a:endParaRPr lang="en-US"/>
           </a:p>
@@ -2069,7 +2069,7 @@
           <a:p>
             <a:fld id="{42AC6DE8-5C89-714B-A3A1-F7E061897443}" type="datetimeFigureOut">
               <a:rPr lang="en-US" smtClean="0"/>
-              <a:t>9/7/20</a:t>
+              <a:t>9/13/20</a:t>
             </a:fld>
             <a:endParaRPr lang="en-US"/>
           </a:p>
@@ -2380,7 +2380,7 @@
           <a:p>
             <a:fld id="{42AC6DE8-5C89-714B-A3A1-F7E061897443}" type="datetimeFigureOut">
               <a:rPr lang="en-US" smtClean="0"/>
-              <a:t>9/7/20</a:t>
+              <a:t>9/13/20</a:t>
             </a:fld>
             <a:endParaRPr lang="en-US"/>
           </a:p>
@@ -2668,7 +2668,7 @@
           <a:p>
             <a:fld id="{42AC6DE8-5C89-714B-A3A1-F7E061897443}" type="datetimeFigureOut">
               <a:rPr lang="en-US" smtClean="0"/>
-              <a:t>9/7/20</a:t>
+              <a:t>9/13/20</a:t>
             </a:fld>
             <a:endParaRPr lang="en-US"/>
           </a:p>
@@ -2909,7 +2909,7 @@
           <a:p>
             <a:fld id="{42AC6DE8-5C89-714B-A3A1-F7E061897443}" type="datetimeFigureOut">
               <a:rPr lang="en-US" smtClean="0"/>
-              <a:t>9/7/20</a:t>
+              <a:t>9/13/20</a:t>
             </a:fld>
             <a:endParaRPr lang="en-US"/>
           </a:p>
@@ -3340,8 +3340,8 @@
         </p:nvSpPr>
         <p:spPr>
           <a:xfrm>
-            <a:off x="3650426" y="427453"/>
-            <a:ext cx="7958478" cy="6122434"/>
+            <a:off x="3319670" y="427453"/>
+            <a:ext cx="8647039" cy="6122434"/>
           </a:xfrm>
           <a:prstGeom prst="rect">
             <a:avLst/>
@@ -3418,7 +3418,7 @@
         </p:blipFill>
         <p:spPr>
           <a:xfrm>
-            <a:off x="3650425" y="427453"/>
+            <a:off x="3303584" y="427453"/>
             <a:ext cx="330200" cy="330200"/>
           </a:xfrm>
           <a:prstGeom prst="rect">
@@ -3454,7 +3454,7 @@
         </p:blipFill>
         <p:spPr>
           <a:xfrm>
-            <a:off x="5290651" y="2841548"/>
+            <a:off x="5648456" y="2841548"/>
             <a:ext cx="711200" cy="711200"/>
           </a:xfrm>
           <a:prstGeom prst="rect">
@@ -3476,7 +3476,7 @@
         </p:nvSpPr>
         <p:spPr>
           <a:xfrm>
-            <a:off x="4892975" y="3582890"/>
+            <a:off x="5250780" y="3582890"/>
             <a:ext cx="1506552" cy="307777"/>
           </a:xfrm>
           <a:prstGeom prst="rect">
@@ -3514,7 +3514,7 @@
         </p:nvSpPr>
         <p:spPr>
           <a:xfrm>
-            <a:off x="9353384" y="3582890"/>
+            <a:off x="9711189" y="3582890"/>
             <a:ext cx="2217871" cy="307777"/>
           </a:xfrm>
           <a:prstGeom prst="rect">
@@ -3581,7 +3581,7 @@
         </p:blipFill>
         <p:spPr>
           <a:xfrm>
-            <a:off x="10106719" y="2871690"/>
+            <a:off x="10464524" y="2871690"/>
             <a:ext cx="711200" cy="711200"/>
           </a:xfrm>
           <a:prstGeom prst="rect">
@@ -3603,7 +3603,7 @@
         </p:nvSpPr>
         <p:spPr>
           <a:xfrm>
-            <a:off x="8102047" y="3582890"/>
+            <a:off x="8459852" y="3582890"/>
             <a:ext cx="1371158" cy="307777"/>
           </a:xfrm>
           <a:prstGeom prst="rect">
@@ -3657,7 +3657,7 @@
         </p:blipFill>
         <p:spPr>
           <a:xfrm>
-            <a:off x="8575955" y="2992340"/>
+            <a:off x="8933760" y="2992340"/>
             <a:ext cx="469900" cy="469900"/>
           </a:xfrm>
           <a:prstGeom prst="rect">
@@ -3679,7 +3679,7 @@
         </p:nvSpPr>
         <p:spPr>
           <a:xfrm>
-            <a:off x="4537316" y="5316351"/>
+            <a:off x="4895121" y="5316351"/>
             <a:ext cx="2217871" cy="307777"/>
           </a:xfrm>
           <a:prstGeom prst="rect">
@@ -3733,7 +3733,7 @@
         </p:blipFill>
         <p:spPr>
           <a:xfrm>
-            <a:off x="5290651" y="4605151"/>
+            <a:off x="5648456" y="4605151"/>
             <a:ext cx="711200" cy="711200"/>
           </a:xfrm>
           <a:prstGeom prst="rect">
@@ -3755,7 +3755,7 @@
         </p:nvSpPr>
         <p:spPr>
           <a:xfrm>
-            <a:off x="6775853" y="5316351"/>
+            <a:off x="7133658" y="5316351"/>
             <a:ext cx="2301904" cy="307777"/>
           </a:xfrm>
           <a:prstGeom prst="rect">
@@ -3807,7 +3807,7 @@
         </p:blipFill>
         <p:spPr>
           <a:xfrm>
-            <a:off x="7571205" y="4605151"/>
+            <a:off x="7929010" y="4605151"/>
             <a:ext cx="711200" cy="711200"/>
           </a:xfrm>
           <a:prstGeom prst="rect">
@@ -3829,7 +3829,7 @@
         </p:nvSpPr>
         <p:spPr>
           <a:xfrm>
-            <a:off x="9311367" y="1644366"/>
+            <a:off x="9669172" y="1644366"/>
             <a:ext cx="2301904" cy="307777"/>
           </a:xfrm>
           <a:prstGeom prst="rect">
@@ -3881,7 +3881,7 @@
         </p:blipFill>
         <p:spPr>
           <a:xfrm>
-            <a:off x="10106719" y="935388"/>
+            <a:off x="10464524" y="935388"/>
             <a:ext cx="711200" cy="711200"/>
           </a:xfrm>
           <a:prstGeom prst="rect">
@@ -3907,7 +3907,7 @@
         </p:nvCxnSpPr>
         <p:spPr>
           <a:xfrm flipH="1">
-            <a:off x="9045855" y="3227290"/>
+            <a:off x="9403660" y="3227290"/>
             <a:ext cx="1060864" cy="0"/>
           </a:xfrm>
           <a:prstGeom prst="straightConnector1">
@@ -3954,7 +3954,7 @@
         </p:nvCxnSpPr>
         <p:spPr>
           <a:xfrm flipH="1" flipV="1">
-            <a:off x="6001851" y="3197148"/>
+            <a:off x="6359656" y="3197148"/>
             <a:ext cx="2574104" cy="30142"/>
           </a:xfrm>
           <a:prstGeom prst="straightConnector1">
@@ -3997,7 +3997,7 @@
         </p:nvSpPr>
         <p:spPr>
           <a:xfrm rot="5400000" flipH="1" flipV="1">
-            <a:off x="7050257" y="-214921"/>
+            <a:off x="7408062" y="-214921"/>
             <a:ext cx="1527521" cy="4585402"/>
           </a:xfrm>
           <a:custGeom>
@@ -4138,7 +4138,7 @@
         </p:nvSpPr>
         <p:spPr>
           <a:xfrm>
-            <a:off x="6736082" y="2332859"/>
+            <a:off x="7093887" y="2332859"/>
             <a:ext cx="2301904" cy="523220"/>
           </a:xfrm>
           <a:prstGeom prst="rect">
@@ -4190,7 +4190,7 @@
         </p:blipFill>
         <p:spPr>
           <a:xfrm>
-            <a:off x="7571205" y="1598846"/>
+            <a:off x="7929010" y="1598846"/>
             <a:ext cx="711200" cy="711200"/>
           </a:xfrm>
           <a:prstGeom prst="rect">
@@ -4212,7 +4212,7 @@
         </p:nvSpPr>
         <p:spPr>
           <a:xfrm rot="5400000" flipH="1" flipV="1">
-            <a:off x="6230890" y="1501223"/>
+            <a:off x="6588695" y="1501223"/>
             <a:ext cx="899595" cy="1781035"/>
           </a:xfrm>
           <a:custGeom>
@@ -4315,7 +4315,7 @@
         </p:blipFill>
         <p:spPr bwMode="auto">
           <a:xfrm>
-            <a:off x="1200391" y="2640701"/>
+            <a:off x="1001610" y="2640701"/>
             <a:ext cx="1913671" cy="1078124"/>
           </a:xfrm>
           <a:prstGeom prst="rect">
@@ -4351,8 +4351,8 @@
         </p:nvCxnSpPr>
         <p:spPr>
           <a:xfrm flipH="1" flipV="1">
-            <a:off x="3114062" y="3179763"/>
-            <a:ext cx="2176589" cy="17385"/>
+            <a:off x="2915281" y="3179763"/>
+            <a:ext cx="2733175" cy="17385"/>
           </a:xfrm>
           <a:prstGeom prst="straightConnector1">
             <a:avLst/>
@@ -4408,7 +4408,7 @@
         </p:blipFill>
         <p:spPr>
           <a:xfrm flipH="1">
-            <a:off x="431681" y="4639389"/>
+            <a:off x="511192" y="4639389"/>
             <a:ext cx="483586" cy="469900"/>
           </a:xfrm>
           <a:prstGeom prst="rect">
@@ -4430,7 +4430,7 @@
         </p:nvSpPr>
         <p:spPr>
           <a:xfrm>
-            <a:off x="-72544" y="5162923"/>
+            <a:off x="6967" y="5162923"/>
             <a:ext cx="1506552" cy="307777"/>
           </a:xfrm>
           <a:prstGeom prst="rect">
@@ -4466,7 +4466,7 @@
         </p:nvSpPr>
         <p:spPr>
           <a:xfrm rot="5400000" flipH="1" flipV="1">
-            <a:off x="191684" y="3630679"/>
+            <a:off x="271195" y="3630679"/>
             <a:ext cx="1492889" cy="524529"/>
           </a:xfrm>
           <a:custGeom>
@@ -4554,7 +4554,7 @@
         </p:nvSpPr>
         <p:spPr>
           <a:xfrm rot="5400000" flipH="1">
-            <a:off x="6393737" y="3036072"/>
+            <a:off x="6751542" y="3036072"/>
             <a:ext cx="1134822" cy="1920677"/>
           </a:xfrm>
           <a:custGeom>
@@ -4646,7 +4646,7 @@
         </p:nvCxnSpPr>
         <p:spPr>
           <a:xfrm>
-            <a:off x="5646251" y="3890667"/>
+            <a:off x="6004056" y="3890667"/>
             <a:ext cx="0" cy="714484"/>
           </a:xfrm>
           <a:prstGeom prst="straightConnector1">
@@ -4689,7 +4689,7 @@
         </p:nvSpPr>
         <p:spPr>
           <a:xfrm>
-            <a:off x="9364802" y="5316351"/>
+            <a:off x="9722607" y="5316351"/>
             <a:ext cx="2301904" cy="307777"/>
           </a:xfrm>
           <a:prstGeom prst="rect">
@@ -4739,7 +4739,7 @@
         </p:blipFill>
         <p:spPr>
           <a:xfrm>
-            <a:off x="10160154" y="4605151"/>
+            <a:off x="10517959" y="4605151"/>
             <a:ext cx="711200" cy="711200"/>
           </a:xfrm>
           <a:prstGeom prst="rect">
@@ -4747,6 +4747,170 @@
           </a:prstGeom>
         </p:spPr>
       </p:pic>
+      <p:sp>
+        <p:nvSpPr>
+          <p:cNvPr id="34" name="TextBox 33">
+            <a:extLst>
+              <a:ext uri="{FF2B5EF4-FFF2-40B4-BE49-F238E27FC236}">
+                <a16:creationId xmlns:a16="http://schemas.microsoft.com/office/drawing/2014/main" id="{B8E4948A-5EFB-F84B-907D-A79A0F9393B9}"/>
+              </a:ext>
+            </a:extLst>
+          </p:cNvPr>
+          <p:cNvSpPr txBox="1"/>
+          <p:nvPr/>
+        </p:nvSpPr>
+        <p:spPr>
+          <a:xfrm>
+            <a:off x="3351488" y="2291512"/>
+            <a:ext cx="2217871" cy="523220"/>
+          </a:xfrm>
+          <a:prstGeom prst="rect">
+            <a:avLst/>
+          </a:prstGeom>
+          <a:noFill/>
+        </p:spPr>
+        <p:txBody>
+          <a:bodyPr wrap="square" rtlCol="0">
+            <a:spAutoFit/>
+          </a:bodyPr>
+          <a:lstStyle/>
+          <a:p>
+            <a:pPr algn="ctr"/>
+            <a:r>
+              <a:rPr lang="en-US" sz="1400" dirty="0">
+                <a:latin typeface="+mj-lt"/>
+                <a:ea typeface="Amazon Ember" panose="020B0603020204020204" pitchFamily="34" charset="0"/>
+                <a:cs typeface="Amazon Ember" panose="020B0603020204020204" pitchFamily="34" charset="0"/>
+              </a:rPr>
+              <a:t>Amazon Simple Notification Service</a:t>
+            </a:r>
+          </a:p>
+        </p:txBody>
+      </p:sp>
+      <p:pic>
+        <p:nvPicPr>
+          <p:cNvPr id="40" name="Graphic 39">
+            <a:extLst>
+              <a:ext uri="{FF2B5EF4-FFF2-40B4-BE49-F238E27FC236}">
+                <a16:creationId xmlns:a16="http://schemas.microsoft.com/office/drawing/2014/main" id="{F3E9489A-346F-AC4C-98D6-824CAAD7F1D4}"/>
+              </a:ext>
+            </a:extLst>
+          </p:cNvPr>
+          <p:cNvPicPr>
+            <a:picLocks noChangeAspect="1"/>
+          </p:cNvPicPr>
+          <p:nvPr/>
+        </p:nvPicPr>
+        <p:blipFill>
+          <a:blip r:embed="rId23">
+            <a:extLst>
+              <a:ext uri="{96DAC541-7B7A-43D3-8B79-37D633B846F1}">
+                <asvg:svgBlip xmlns:asvg="http://schemas.microsoft.com/office/drawing/2016/SVG/main" r:embed="rId24"/>
+              </a:ext>
+            </a:extLst>
+          </a:blip>
+          <a:stretch>
+            <a:fillRect/>
+          </a:stretch>
+        </p:blipFill>
+        <p:spPr>
+          <a:xfrm>
+            <a:off x="4111015" y="1596543"/>
+            <a:ext cx="711200" cy="711200"/>
+          </a:xfrm>
+          <a:prstGeom prst="rect">
+            <a:avLst/>
+          </a:prstGeom>
+        </p:spPr>
+      </p:pic>
+      <p:sp>
+        <p:nvSpPr>
+          <p:cNvPr id="47" name="Freeform 46">
+            <a:extLst>
+              <a:ext uri="{FF2B5EF4-FFF2-40B4-BE49-F238E27FC236}">
+                <a16:creationId xmlns:a16="http://schemas.microsoft.com/office/drawing/2014/main" id="{5B25CE66-1EFB-0B4F-B331-4A11545960FA}"/>
+              </a:ext>
+            </a:extLst>
+          </p:cNvPr>
+          <p:cNvSpPr/>
+          <p:nvPr/>
+        </p:nvSpPr>
+        <p:spPr>
+          <a:xfrm rot="10800000" flipH="1" flipV="1">
+            <a:off x="4810388" y="1952143"/>
+            <a:ext cx="940563" cy="889396"/>
+          </a:xfrm>
+          <a:custGeom>
+            <a:avLst/>
+            <a:gdLst>
+              <a:gd name="connsiteX0" fmla="*/ 1371600 w 1371600"/>
+              <a:gd name="connsiteY0" fmla="*/ 711200 h 711200"/>
+              <a:gd name="connsiteX1" fmla="*/ 1371600 w 1371600"/>
+              <a:gd name="connsiteY1" fmla="*/ 0 h 711200"/>
+              <a:gd name="connsiteX2" fmla="*/ 0 w 1371600"/>
+              <a:gd name="connsiteY2" fmla="*/ 0 h 711200"/>
+            </a:gdLst>
+            <a:ahLst/>
+            <a:cxnLst>
+              <a:cxn ang="0">
+                <a:pos x="connsiteX0" y="connsiteY0"/>
+              </a:cxn>
+              <a:cxn ang="0">
+                <a:pos x="connsiteX1" y="connsiteY1"/>
+              </a:cxn>
+              <a:cxn ang="0">
+                <a:pos x="connsiteX2" y="connsiteY2"/>
+              </a:cxn>
+            </a:cxnLst>
+            <a:rect l="l" t="t" r="r" b="b"/>
+            <a:pathLst>
+              <a:path w="1371600" h="711200">
+                <a:moveTo>
+                  <a:pt x="1371600" y="711200"/>
+                </a:moveTo>
+                <a:lnTo>
+                  <a:pt x="1371600" y="0"/>
+                </a:lnTo>
+                <a:lnTo>
+                  <a:pt x="0" y="0"/>
+                </a:lnTo>
+              </a:path>
+            </a:pathLst>
+          </a:custGeom>
+          <a:noFill/>
+          <a:ln w="12700">
+            <a:solidFill>
+              <a:schemeClr val="tx2"/>
+            </a:solidFill>
+            <a:headEnd type="none" w="med" len="sm"/>
+            <a:tailEnd type="arrow" w="med" len="sm"/>
+          </a:ln>
+        </p:spPr>
+        <p:style>
+          <a:lnRef idx="2">
+            <a:schemeClr val="accent1">
+              <a:shade val="50000"/>
+            </a:schemeClr>
+          </a:lnRef>
+          <a:fillRef idx="1">
+            <a:schemeClr val="accent1"/>
+          </a:fillRef>
+          <a:effectRef idx="0">
+            <a:schemeClr val="accent1"/>
+          </a:effectRef>
+          <a:fontRef idx="minor">
+            <a:schemeClr val="lt1"/>
+          </a:fontRef>
+        </p:style>
+        <p:txBody>
+          <a:bodyPr rtlCol="0" anchor="ctr"/>
+          <a:lstStyle/>
+          <a:p>
+            <a:pPr algn="ctr"/>
+            <a:endParaRPr lang="en-US"/>
+          </a:p>
+        </p:txBody>
+      </p:sp>
     </p:spTree>
     <p:extLst>
       <p:ext uri="{BB962C8B-B14F-4D97-AF65-F5344CB8AC3E}">
